--- a/強化学習勉強会資料.pptx
+++ b/強化学習勉強会資料.pptx
@@ -360,7 +360,7 @@
           <a:p>
             <a:fld id="{DEA650C8-E1A6-534B-BAE4-94C4B603F599}" type="datetimeFigureOut">
               <a:rPr kumimoji="1" lang="ja-JP" altLang="en-US" smtClean="0"/>
-              <a:t>2020/8/22</a:t>
+              <a:t>2020/8/23</a:t>
             </a:fld>
             <a:endParaRPr kumimoji="1" lang="ja-JP" altLang="en-US"/>
           </a:p>
@@ -24742,11 +24742,11 @@
       </p:sp>
       <p:pic>
         <p:nvPicPr>
-          <p:cNvPr id="2" name="オンライン メディア 1" descr="dribble">
+          <p:cNvPr id="3" name="オンライン メディア 2" descr="dribble &amp; odometry">
             <a:hlinkClick r:id="" action="ppaction://media"/>
             <a:extLst>
               <a:ext uri="{FF2B5EF4-FFF2-40B4-BE49-F238E27FC236}">
-                <a16:creationId xmlns:a16="http://schemas.microsoft.com/office/drawing/2014/main" id="{C80F079F-4881-D045-8BDF-B5FEA6ECE79E}"/>
+                <a16:creationId xmlns:a16="http://schemas.microsoft.com/office/drawing/2014/main" id="{887BE49F-A772-9E4A-A5DD-9F1C966C656E}"/>
               </a:ext>
             </a:extLst>
           </p:cNvPr>
@@ -24765,8 +24765,8 @@
         </p:blipFill>
         <p:spPr>
           <a:xfrm>
-            <a:off x="1699300" y="2399079"/>
-            <a:ext cx="7214722" cy="4058281"/>
+            <a:off x="1548384" y="2399079"/>
+            <a:ext cx="7614306" cy="4283047"/>
           </a:xfrm>
           <a:prstGeom prst="rect">
             <a:avLst/>
@@ -24813,7 +24813,7 @@
                                       <p:cBhvr>
                                         <p:cTn id="6" dur="1" fill="hold"/>
                                         <p:tgtEl>
-                                          <p:spTgt spid="2"/>
+                                          <p:spTgt spid="3"/>
                                         </p:tgtEl>
                                       </p:cBhvr>
                                     </p:cmd>
@@ -24851,7 +24851,7 @@
                   </p:stCondLst>
                 </p:cTn>
                 <p:tgtEl>
-                  <p:spTgt spid="2"/>
+                  <p:spTgt spid="3"/>
                 </p:tgtEl>
               </p:cMediaNode>
             </p:video>
@@ -24860,7 +24860,7 @@
                 <p:stCondLst>
                   <p:cond evt="onClick" delay="0">
                     <p:tgtEl>
-                      <p:spTgt spid="2"/>
+                      <p:spTgt spid="3"/>
                     </p:tgtEl>
                   </p:cond>
                 </p:stCondLst>
@@ -24890,7 +24890,7 @@
                                       <p:cBhvr>
                                         <p:cTn id="12" dur="1" fill="hold"/>
                                         <p:tgtEl>
-                                          <p:spTgt spid="2"/>
+                                          <p:spTgt spid="3"/>
                                         </p:tgtEl>
                                       </p:cBhvr>
                                     </p:cmd>
@@ -24908,7 +24908,7 @@
               <p:nextCondLst>
                 <p:cond evt="onClick" delay="0">
                   <p:tgtEl>
-                    <p:spTgt spid="2"/>
+                    <p:spTgt spid="3"/>
                   </p:tgtEl>
                 </p:cond>
               </p:nextCondLst>
